--- a/lecnotes/lecture06.pptx
+++ b/lecnotes/lecture06.pptx
@@ -330,7 +330,7 @@
           <a:p>
             <a:fld id="{92538219-6E45-4D12-B767-46F92D5844D4}" type="datetime1">
               <a:rPr lang="en-US" smtClean="0"/>
-              <a:t>2/15/2022</a:t>
+              <a:t>11/14/2022</a:t>
             </a:fld>
             <a:endParaRPr lang="en-US"/>
           </a:p>
@@ -528,7 +528,7 @@
           <a:p>
             <a:fld id="{836430B8-6059-41E5-A5DC-C07A76F5859A}" type="datetime1">
               <a:rPr lang="en-US" smtClean="0"/>
-              <a:t>2/15/2022</a:t>
+              <a:t>11/14/2022</a:t>
             </a:fld>
             <a:endParaRPr lang="en-US"/>
           </a:p>
@@ -790,7 +790,7 @@
           <a:p>
             <a:fld id="{A09D0CB7-D16E-4358-B7F4-EA4A24554592}" type="datetime1">
               <a:rPr lang="en-US" smtClean="0"/>
-              <a:t>2/15/2022</a:t>
+              <a:t>11/14/2022</a:t>
             </a:fld>
             <a:endParaRPr lang="en-US"/>
           </a:p>
@@ -1006,7 +1006,7 @@
           <a:p>
             <a:fld id="{8BB296A2-D8F0-4E17-BFD0-A6C902250D59}" type="datetime1">
               <a:rPr lang="en-US" smtClean="0"/>
-              <a:t>2/15/2022</a:t>
+              <a:t>11/14/2022</a:t>
             </a:fld>
             <a:endParaRPr lang="en-US"/>
           </a:p>
@@ -1336,7 +1336,7 @@
           <a:p>
             <a:fld id="{D9108C9C-1ACB-4C84-A002-C7E0E45B937A}" type="datetime1">
               <a:rPr lang="en-US" smtClean="0"/>
-              <a:t>2/15/2022</a:t>
+              <a:t>11/14/2022</a:t>
             </a:fld>
             <a:endParaRPr lang="en-US"/>
           </a:p>
@@ -1609,7 +1609,7 @@
           <a:p>
             <a:fld id="{F49AF2A5-B297-4977-9E5B-4D3050E23689}" type="datetime1">
               <a:rPr lang="en-US" smtClean="0"/>
-              <a:t>2/15/2022</a:t>
+              <a:t>11/14/2022</a:t>
             </a:fld>
             <a:endParaRPr lang="en-US"/>
           </a:p>
@@ -2024,7 +2024,7 @@
           <a:p>
             <a:fld id="{70127434-4794-409A-9547-04789BA47588}" type="datetime1">
               <a:rPr lang="en-US" smtClean="0"/>
-              <a:t>2/15/2022</a:t>
+              <a:t>11/14/2022</a:t>
             </a:fld>
             <a:endParaRPr lang="en-US"/>
           </a:p>
@@ -2165,7 +2165,7 @@
           <a:p>
             <a:fld id="{85658635-357A-4E3D-B824-A5CEFDB8449C}" type="datetime1">
               <a:rPr lang="en-US" smtClean="0"/>
-              <a:t>2/15/2022</a:t>
+              <a:t>11/14/2022</a:t>
             </a:fld>
             <a:endParaRPr lang="en-US"/>
           </a:p>
@@ -2278,7 +2278,7 @@
           <a:p>
             <a:fld id="{7E86FF77-2719-4AD0-8740-0B90FF5D1EFB}" type="datetime1">
               <a:rPr lang="en-US" smtClean="0"/>
-              <a:t>2/15/2022</a:t>
+              <a:t>11/14/2022</a:t>
             </a:fld>
             <a:endParaRPr lang="en-US"/>
           </a:p>
@@ -2774,7 +2774,7 @@
           <a:p>
             <a:fld id="{6E441C83-1089-48B9-8B65-293D4C236D35}" type="datetime1">
               <a:rPr lang="en-US" smtClean="0"/>
-              <a:t>2/15/2022</a:t>
+              <a:t>11/14/2022</a:t>
             </a:fld>
             <a:endParaRPr lang="en-US"/>
           </a:p>
@@ -3250,7 +3250,7 @@
           <a:p>
             <a:fld id="{D162FE45-CC1E-47DB-8B82-6CF0636FBDB8}" type="datetime1">
               <a:rPr lang="en-US" smtClean="0"/>
-              <a:t>2/15/2022</a:t>
+              <a:t>11/14/2022</a:t>
             </a:fld>
             <a:endParaRPr lang="en-US"/>
           </a:p>
@@ -3545,7 +3545,7 @@
           <a:p>
             <a:fld id="{51FC8E16-3C03-4238-9C6F-B34F3D10F77E}" type="datetime1">
               <a:rPr lang="en-US" smtClean="0"/>
-              <a:t>2/15/2022</a:t>
+              <a:t>11/14/2022</a:t>
             </a:fld>
             <a:endParaRPr lang="en-US" dirty="0"/>
           </a:p>
@@ -4160,7 +4160,13 @@
           <a:p>
             <a:r>
               <a:rPr lang="en-US" dirty="0"/>
-              <a:t>February 16, 2022</a:t>
+              <a:t>Fall 2022</a:t>
+            </a:r>
+          </a:p>
+          <a:p>
+            <a:r>
+              <a:rPr lang="en-US" dirty="0"/>
+              <a:t>The University of Mount Union</a:t>
             </a:r>
           </a:p>
         </p:txBody>

--- a/lecnotes/lecture06.pptx
+++ b/lecnotes/lecture06.pptx
@@ -330,7 +330,7 @@
           <a:p>
             <a:fld id="{92538219-6E45-4D12-B767-46F92D5844D4}" type="datetime1">
               <a:rPr lang="en-US" smtClean="0"/>
-              <a:t>11/14/2022</a:t>
+              <a:t>9/27/2023</a:t>
             </a:fld>
             <a:endParaRPr lang="en-US"/>
           </a:p>
@@ -528,7 +528,7 @@
           <a:p>
             <a:fld id="{836430B8-6059-41E5-A5DC-C07A76F5859A}" type="datetime1">
               <a:rPr lang="en-US" smtClean="0"/>
-              <a:t>11/14/2022</a:t>
+              <a:t>9/27/2023</a:t>
             </a:fld>
             <a:endParaRPr lang="en-US"/>
           </a:p>
@@ -790,7 +790,7 @@
           <a:p>
             <a:fld id="{A09D0CB7-D16E-4358-B7F4-EA4A24554592}" type="datetime1">
               <a:rPr lang="en-US" smtClean="0"/>
-              <a:t>11/14/2022</a:t>
+              <a:t>9/27/2023</a:t>
             </a:fld>
             <a:endParaRPr lang="en-US"/>
           </a:p>
@@ -1006,7 +1006,7 @@
           <a:p>
             <a:fld id="{8BB296A2-D8F0-4E17-BFD0-A6C902250D59}" type="datetime1">
               <a:rPr lang="en-US" smtClean="0"/>
-              <a:t>11/14/2022</a:t>
+              <a:t>9/27/2023</a:t>
             </a:fld>
             <a:endParaRPr lang="en-US"/>
           </a:p>
@@ -1336,7 +1336,7 @@
           <a:p>
             <a:fld id="{D9108C9C-1ACB-4C84-A002-C7E0E45B937A}" type="datetime1">
               <a:rPr lang="en-US" smtClean="0"/>
-              <a:t>11/14/2022</a:t>
+              <a:t>9/27/2023</a:t>
             </a:fld>
             <a:endParaRPr lang="en-US"/>
           </a:p>
@@ -1609,7 +1609,7 @@
           <a:p>
             <a:fld id="{F49AF2A5-B297-4977-9E5B-4D3050E23689}" type="datetime1">
               <a:rPr lang="en-US" smtClean="0"/>
-              <a:t>11/14/2022</a:t>
+              <a:t>9/27/2023</a:t>
             </a:fld>
             <a:endParaRPr lang="en-US"/>
           </a:p>
@@ -2024,7 +2024,7 @@
           <a:p>
             <a:fld id="{70127434-4794-409A-9547-04789BA47588}" type="datetime1">
               <a:rPr lang="en-US" smtClean="0"/>
-              <a:t>11/14/2022</a:t>
+              <a:t>9/27/2023</a:t>
             </a:fld>
             <a:endParaRPr lang="en-US"/>
           </a:p>
@@ -2165,7 +2165,7 @@
           <a:p>
             <a:fld id="{85658635-357A-4E3D-B824-A5CEFDB8449C}" type="datetime1">
               <a:rPr lang="en-US" smtClean="0"/>
-              <a:t>11/14/2022</a:t>
+              <a:t>9/27/2023</a:t>
             </a:fld>
             <a:endParaRPr lang="en-US"/>
           </a:p>
@@ -2278,7 +2278,7 @@
           <a:p>
             <a:fld id="{7E86FF77-2719-4AD0-8740-0B90FF5D1EFB}" type="datetime1">
               <a:rPr lang="en-US" smtClean="0"/>
-              <a:t>11/14/2022</a:t>
+              <a:t>9/27/2023</a:t>
             </a:fld>
             <a:endParaRPr lang="en-US"/>
           </a:p>
@@ -2774,7 +2774,7 @@
           <a:p>
             <a:fld id="{6E441C83-1089-48B9-8B65-293D4C236D35}" type="datetime1">
               <a:rPr lang="en-US" smtClean="0"/>
-              <a:t>11/14/2022</a:t>
+              <a:t>9/27/2023</a:t>
             </a:fld>
             <a:endParaRPr lang="en-US"/>
           </a:p>
@@ -3250,7 +3250,7 @@
           <a:p>
             <a:fld id="{D162FE45-CC1E-47DB-8B82-6CF0636FBDB8}" type="datetime1">
               <a:rPr lang="en-US" smtClean="0"/>
-              <a:t>11/14/2022</a:t>
+              <a:t>9/27/2023</a:t>
             </a:fld>
             <a:endParaRPr lang="en-US"/>
           </a:p>
@@ -3545,7 +3545,7 @@
           <a:p>
             <a:fld id="{51FC8E16-3C03-4238-9C6F-B34F3D10F77E}" type="datetime1">
               <a:rPr lang="en-US" smtClean="0"/>
-              <a:t>11/14/2022</a:t>
+              <a:t>9/27/2023</a:t>
             </a:fld>
             <a:endParaRPr lang="en-US" dirty="0"/>
           </a:p>
@@ -4160,12 +4160,6 @@
           <a:p>
             <a:r>
               <a:rPr lang="en-US" dirty="0"/>
-              <a:t>Fall 2022</a:t>
-            </a:r>
-          </a:p>
-          <a:p>
-            <a:r>
-              <a:rPr lang="en-US" dirty="0"/>
               <a:t>The University of Mount Union</a:t>
             </a:r>
           </a:p>
